--- a/arch_big.pptx
+++ b/arch_big.pptx
@@ -3780,7 +3780,17 @@
                 <a:ea typeface="+mn-lt"/>
                 <a:cs typeface="+mn-lt"/>
               </a:rPr>
-              <a:t>nnotation</a:t>
+              <a:t>nnotatin</a:t>
+            </a:r>
+            <a:r>
+              <a:rPr lang="" altLang="en-US" sz="1600" dirty="0">
+                <a:solidFill>
+                  <a:schemeClr val="tx1"/>
+                </a:solidFill>
+                <a:ea typeface="+mn-lt"/>
+                <a:cs typeface="+mn-lt"/>
+              </a:rPr>
+              <a:t>g</a:t>
             </a:r>
             <a:endParaRPr lang="en-US" sz="1600" dirty="0">
               <a:solidFill>
@@ -3974,7 +3984,7 @@
         </p:nvSpPr>
         <p:spPr>
           <a:xfrm>
-            <a:off x="4598988" y="2926080"/>
+            <a:off x="4774248" y="2911475"/>
             <a:ext cx="246142" cy="349488"/>
           </a:xfrm>
           <a:prstGeom prst="upArrow">
@@ -4017,8 +4027,8 @@
         </p:nvSpPr>
         <p:spPr>
           <a:xfrm rot="16200000">
-            <a:off x="2014855" y="3317875"/>
-            <a:ext cx="245110" cy="445135"/>
+            <a:off x="1999615" y="3333115"/>
+            <a:ext cx="244475" cy="414020"/>
           </a:xfrm>
           <a:prstGeom prst="upDownArrow">
             <a:avLst/>
@@ -4066,7 +4076,7 @@
         </p:nvSpPr>
         <p:spPr>
           <a:xfrm>
-            <a:off x="8362791" y="2931716"/>
+            <a:off x="9236551" y="2911396"/>
             <a:ext cx="214471" cy="349488"/>
           </a:xfrm>
           <a:prstGeom prst="upDownArrow">
@@ -4281,7 +4291,7 @@
                 <a:cs typeface="Calibri"/>
                 <a:sym typeface="+mn-ea"/>
               </a:rPr>
-              <a:t>Data Set</a:t>
+              <a:t>Dataset</a:t>
             </a:r>
             <a:endParaRPr lang="en-US" altLang="en-US" sz="1600" b="1" dirty="0">
               <a:solidFill>
@@ -4546,7 +4556,27 @@
                 <a:cs typeface="Calibri"/>
                 <a:sym typeface="+mn-ea"/>
               </a:rPr>
-              <a:t>Data Set</a:t>
+              <a:t>Data</a:t>
+            </a:r>
+            <a:r>
+              <a:rPr lang="" altLang="en-US" sz="1600" dirty="0">
+                <a:solidFill>
+                  <a:schemeClr val="tx1"/>
+                </a:solidFill>
+                <a:cs typeface="Calibri"/>
+                <a:sym typeface="+mn-ea"/>
+              </a:rPr>
+              <a:t>s</a:t>
+            </a:r>
+            <a:r>
+              <a:rPr lang="en-US" altLang="en-US" sz="1600" dirty="0">
+                <a:solidFill>
+                  <a:schemeClr val="tx1"/>
+                </a:solidFill>
+                <a:cs typeface="Calibri"/>
+                <a:sym typeface="+mn-ea"/>
+              </a:rPr>
+              <a:t>et</a:t>
             </a:r>
             <a:endParaRPr lang="en-US" altLang="en-US" sz="1600" dirty="0">
               <a:solidFill>
@@ -4856,8 +4886,8 @@
         </p:nvSpPr>
         <p:spPr>
           <a:xfrm>
-            <a:off x="9381252" y="2134870"/>
-            <a:ext cx="1480741" cy="629523"/>
+            <a:off x="9381490" y="2134870"/>
+            <a:ext cx="1481455" cy="629285"/>
           </a:xfrm>
           <a:prstGeom prst="rect">
             <a:avLst/>
@@ -5307,7 +5337,7 @@
         </p:nvSpPr>
         <p:spPr>
           <a:xfrm>
-            <a:off x="9916795" y="3827780"/>
+            <a:off x="9967595" y="3840480"/>
             <a:ext cx="1306830" cy="337820"/>
           </a:xfrm>
           <a:prstGeom prst="rect">
@@ -5958,7 +5988,7 @@
         </p:nvSpPr>
         <p:spPr>
           <a:xfrm>
-            <a:off x="11468735" y="2926080"/>
+            <a:off x="11463020" y="2926080"/>
             <a:ext cx="1562100" cy="621665"/>
           </a:xfrm>
           <a:prstGeom prst="rect">
